--- a/Terraform.pptx
+++ b/Terraform.pptx
@@ -5,7 +5,7 @@
     <p:sldMasterId id="2147483659" r:id="rId1"/>
   </p:sldMasterIdLst>
   <p:notesMasterIdLst>
-    <p:notesMasterId r:id="rId56"/>
+    <p:notesMasterId r:id="rId55"/>
   </p:notesMasterIdLst>
   <p:sldIdLst>
     <p:sldId id="256" r:id="rId2"/>
@@ -47,37 +47,36 @@
     <p:sldId id="293" r:id="rId38"/>
     <p:sldId id="294" r:id="rId39"/>
     <p:sldId id="295" r:id="rId40"/>
-    <p:sldId id="296" r:id="rId41"/>
-    <p:sldId id="297" r:id="rId42"/>
-    <p:sldId id="298" r:id="rId43"/>
-    <p:sldId id="299" r:id="rId44"/>
-    <p:sldId id="300" r:id="rId45"/>
-    <p:sldId id="301" r:id="rId46"/>
-    <p:sldId id="302" r:id="rId47"/>
-    <p:sldId id="303" r:id="rId48"/>
-    <p:sldId id="304" r:id="rId49"/>
-    <p:sldId id="305" r:id="rId50"/>
-    <p:sldId id="306" r:id="rId51"/>
-    <p:sldId id="307" r:id="rId52"/>
-    <p:sldId id="308" r:id="rId53"/>
-    <p:sldId id="309" r:id="rId54"/>
-    <p:sldId id="310" r:id="rId55"/>
+    <p:sldId id="297" r:id="rId41"/>
+    <p:sldId id="298" r:id="rId42"/>
+    <p:sldId id="299" r:id="rId43"/>
+    <p:sldId id="300" r:id="rId44"/>
+    <p:sldId id="301" r:id="rId45"/>
+    <p:sldId id="302" r:id="rId46"/>
+    <p:sldId id="303" r:id="rId47"/>
+    <p:sldId id="304" r:id="rId48"/>
+    <p:sldId id="305" r:id="rId49"/>
+    <p:sldId id="306" r:id="rId50"/>
+    <p:sldId id="307" r:id="rId51"/>
+    <p:sldId id="308" r:id="rId52"/>
+    <p:sldId id="309" r:id="rId53"/>
+    <p:sldId id="310" r:id="rId54"/>
   </p:sldIdLst>
   <p:sldSz cx="9144000" cy="5143500" type="screen16x9"/>
   <p:notesSz cx="6858000" cy="9144000"/>
   <p:embeddedFontLst>
     <p:embeddedFont>
       <p:font typeface="Old Standard TT" panose="020B0604020202020204" charset="0"/>
-      <p:regular r:id="rId57"/>
-      <p:bold r:id="rId58"/>
-      <p:italic r:id="rId59"/>
+      <p:regular r:id="rId56"/>
+      <p:bold r:id="rId57"/>
+      <p:italic r:id="rId58"/>
     </p:embeddedFont>
     <p:embeddedFont>
       <p:font typeface="Roboto Mono" panose="00000009000000000000" pitchFamily="49" charset="0"/>
-      <p:regular r:id="rId60"/>
-      <p:bold r:id="rId61"/>
-      <p:italic r:id="rId62"/>
-      <p:boldItalic r:id="rId63"/>
+      <p:regular r:id="rId59"/>
+      <p:bold r:id="rId60"/>
+      <p:italic r:id="rId61"/>
+      <p:boldItalic r:id="rId62"/>
     </p:embeddedFont>
   </p:embeddedFontLst>
   <p:defaultTextStyle>
@@ -3710,8 +3709,8 @@
         </p:nvSpPr>
         <p:spPr>
           <a:xfrm>
-            <a:off x="381188" y="685800"/>
-            <a:ext cx="6096300" cy="3429000"/>
+            <a:off x="381000" y="685800"/>
+            <a:ext cx="6096000" cy="3429000"/>
           </a:xfrm>
           <a:custGeom>
             <a:avLst/>
@@ -4310,110 +4309,6 @@
   <p:cSld>
     <p:spTree>
       <p:nvGrpSpPr>
-        <p:cNvPr id="1" name="Shape 300"/>
-        <p:cNvGrpSpPr/>
-        <p:nvPr/>
-      </p:nvGrpSpPr>
-      <p:grpSpPr>
-        <a:xfrm>
-          <a:off x="0" y="0"/>
-          <a:ext cx="0" cy="0"/>
-          <a:chOff x="0" y="0"/>
-          <a:chExt cx="0" cy="0"/>
-        </a:xfrm>
-      </p:grpSpPr>
-      <p:sp>
-        <p:nvSpPr>
-          <p:cNvPr id="301" name="Google Shape;301;g31851766b0d_0_105:notes"/>
-          <p:cNvSpPr>
-            <a:spLocks noGrp="1" noRot="1" noChangeAspect="1"/>
-          </p:cNvSpPr>
-          <p:nvPr>
-            <p:ph type="sldImg" idx="2"/>
-          </p:nvPr>
-        </p:nvSpPr>
-        <p:spPr>
-          <a:xfrm>
-            <a:off x="381188" y="685800"/>
-            <a:ext cx="6096300" cy="3429000"/>
-          </a:xfrm>
-          <a:custGeom>
-            <a:avLst/>
-            <a:gdLst/>
-            <a:ahLst/>
-            <a:cxnLst/>
-            <a:rect l="l" t="t" r="r" b="b"/>
-            <a:pathLst>
-              <a:path w="120000" h="120000" extrusionOk="0">
-                <a:moveTo>
-                  <a:pt x="0" y="0"/>
-                </a:moveTo>
-                <a:lnTo>
-                  <a:pt x="120000" y="0"/>
-                </a:lnTo>
-                <a:lnTo>
-                  <a:pt x="120000" y="120000"/>
-                </a:lnTo>
-                <a:lnTo>
-                  <a:pt x="0" y="120000"/>
-                </a:lnTo>
-                <a:close/>
-              </a:path>
-            </a:pathLst>
-          </a:custGeom>
-        </p:spPr>
-      </p:sp>
-      <p:sp>
-        <p:nvSpPr>
-          <p:cNvPr id="302" name="Google Shape;302;g31851766b0d_0_105:notes"/>
-          <p:cNvSpPr txBox="1">
-            <a:spLocks noGrp="1"/>
-          </p:cNvSpPr>
-          <p:nvPr>
-            <p:ph type="body" idx="1"/>
-          </p:nvPr>
-        </p:nvSpPr>
-        <p:spPr>
-          <a:xfrm>
-            <a:off x="685800" y="4343400"/>
-            <a:ext cx="5486400" cy="4114800"/>
-          </a:xfrm>
-          <a:prstGeom prst="rect">
-            <a:avLst/>
-          </a:prstGeom>
-        </p:spPr>
-        <p:txBody>
-          <a:bodyPr spcFirstLastPara="1" wrap="square" lIns="91425" tIns="91425" rIns="91425" bIns="91425" anchor="t" anchorCtr="0">
-            <a:noAutofit/>
-          </a:bodyPr>
-          <a:lstStyle/>
-          <a:p>
-            <a:pPr marL="0" lvl="0" indent="0" algn="l" rtl="0">
-              <a:spcBef>
-                <a:spcPts val="0"/>
-              </a:spcBef>
-              <a:spcAft>
-                <a:spcPts val="0"/>
-              </a:spcAft>
-              <a:buNone/>
-            </a:pPr>
-            <a:endParaRPr/>
-          </a:p>
-        </p:txBody>
-      </p:sp>
-    </p:spTree>
-  </p:cSld>
-  <p:clrMapOvr>
-    <a:masterClrMapping/>
-  </p:clrMapOvr>
-</p:notes>
-</file>
-
-<file path=ppt/notesSlides/notesSlide41.xml><?xml version="1.0" encoding="utf-8"?>
-<p:notes xmlns:a="http://schemas.openxmlformats.org/drawingml/2006/main" xmlns:r="http://schemas.openxmlformats.org/officeDocument/2006/relationships" xmlns:p="http://schemas.openxmlformats.org/presentationml/2006/main" showMasterSp="0" showMasterPhAnim="0">
-  <p:cSld>
-    <p:spTree>
-      <p:nvGrpSpPr>
         <p:cNvPr id="1" name="Shape 306"/>
         <p:cNvGrpSpPr/>
         <p:nvPr/>
@@ -4513,7 +4408,7 @@
 </p:notes>
 </file>
 
-<file path=ppt/notesSlides/notesSlide42.xml><?xml version="1.0" encoding="utf-8"?>
+<file path=ppt/notesSlides/notesSlide41.xml><?xml version="1.0" encoding="utf-8"?>
 <p:notes xmlns:a="http://schemas.openxmlformats.org/drawingml/2006/main" xmlns:r="http://schemas.openxmlformats.org/officeDocument/2006/relationships" xmlns:p="http://schemas.openxmlformats.org/presentationml/2006/main" showMasterSp="0" showMasterPhAnim="0">
   <p:cSld>
     <p:spTree>
@@ -4617,7 +4512,7 @@
 </p:notes>
 </file>
 
-<file path=ppt/notesSlides/notesSlide43.xml><?xml version="1.0" encoding="utf-8"?>
+<file path=ppt/notesSlides/notesSlide42.xml><?xml version="1.0" encoding="utf-8"?>
 <p:notes xmlns:a="http://schemas.openxmlformats.org/drawingml/2006/main" xmlns:r="http://schemas.openxmlformats.org/officeDocument/2006/relationships" xmlns:p="http://schemas.openxmlformats.org/presentationml/2006/main" showMasterSp="0" showMasterPhAnim="0">
   <p:cSld>
     <p:spTree>
@@ -4721,7 +4616,7 @@
 </p:notes>
 </file>
 
-<file path=ppt/notesSlides/notesSlide44.xml><?xml version="1.0" encoding="utf-8"?>
+<file path=ppt/notesSlides/notesSlide43.xml><?xml version="1.0" encoding="utf-8"?>
 <p:notes xmlns:a="http://schemas.openxmlformats.org/drawingml/2006/main" xmlns:r="http://schemas.openxmlformats.org/officeDocument/2006/relationships" xmlns:p="http://schemas.openxmlformats.org/presentationml/2006/main" showMasterSp="0" showMasterPhAnim="0">
   <p:cSld>
     <p:spTree>
@@ -4825,7 +4720,7 @@
 </p:notes>
 </file>
 
-<file path=ppt/notesSlides/notesSlide45.xml><?xml version="1.0" encoding="utf-8"?>
+<file path=ppt/notesSlides/notesSlide44.xml><?xml version="1.0" encoding="utf-8"?>
 <p:notes xmlns:a="http://schemas.openxmlformats.org/drawingml/2006/main" xmlns:r="http://schemas.openxmlformats.org/officeDocument/2006/relationships" xmlns:p="http://schemas.openxmlformats.org/presentationml/2006/main" showMasterSp="0" showMasterPhAnim="0">
   <p:cSld>
     <p:spTree>
@@ -4929,7 +4824,7 @@
 </p:notes>
 </file>
 
-<file path=ppt/notesSlides/notesSlide46.xml><?xml version="1.0" encoding="utf-8"?>
+<file path=ppt/notesSlides/notesSlide45.xml><?xml version="1.0" encoding="utf-8"?>
 <p:notes xmlns:a="http://schemas.openxmlformats.org/drawingml/2006/main" xmlns:r="http://schemas.openxmlformats.org/officeDocument/2006/relationships" xmlns:p="http://schemas.openxmlformats.org/presentationml/2006/main" showMasterSp="0" showMasterPhAnim="0">
   <p:cSld>
     <p:spTree>
@@ -5033,7 +4928,7 @@
 </p:notes>
 </file>
 
-<file path=ppt/notesSlides/notesSlide47.xml><?xml version="1.0" encoding="utf-8"?>
+<file path=ppt/notesSlides/notesSlide46.xml><?xml version="1.0" encoding="utf-8"?>
 <p:notes xmlns:a="http://schemas.openxmlformats.org/drawingml/2006/main" xmlns:r="http://schemas.openxmlformats.org/officeDocument/2006/relationships" xmlns:p="http://schemas.openxmlformats.org/presentationml/2006/main" showMasterSp="0" showMasterPhAnim="0">
   <p:cSld>
     <p:spTree>
@@ -5137,7 +5032,7 @@
 </p:notes>
 </file>
 
-<file path=ppt/notesSlides/notesSlide48.xml><?xml version="1.0" encoding="utf-8"?>
+<file path=ppt/notesSlides/notesSlide47.xml><?xml version="1.0" encoding="utf-8"?>
 <p:notes xmlns:a="http://schemas.openxmlformats.org/drawingml/2006/main" xmlns:r="http://schemas.openxmlformats.org/officeDocument/2006/relationships" xmlns:p="http://schemas.openxmlformats.org/presentationml/2006/main" showMasterSp="0" showMasterPhAnim="0">
   <p:cSld>
     <p:spTree>
@@ -5241,7 +5136,7 @@
 </p:notes>
 </file>
 
-<file path=ppt/notesSlides/notesSlide49.xml><?xml version="1.0" encoding="utf-8"?>
+<file path=ppt/notesSlides/notesSlide48.xml><?xml version="1.0" encoding="utf-8"?>
 <p:notes xmlns:a="http://schemas.openxmlformats.org/drawingml/2006/main" xmlns:r="http://schemas.openxmlformats.org/officeDocument/2006/relationships" xmlns:p="http://schemas.openxmlformats.org/presentationml/2006/main" showMasterSp="0" showMasterPhAnim="0">
   <p:cSld>
     <p:spTree>
@@ -5302,6 +5197,110 @@
       <p:sp>
         <p:nvSpPr>
           <p:cNvPr id="356" name="Google Shape;356;g31851766b0d_0_146:notes"/>
+          <p:cNvSpPr txBox="1">
+            <a:spLocks noGrp="1"/>
+          </p:cNvSpPr>
+          <p:nvPr>
+            <p:ph type="body" idx="1"/>
+          </p:nvPr>
+        </p:nvSpPr>
+        <p:spPr>
+          <a:xfrm>
+            <a:off x="685800" y="4343400"/>
+            <a:ext cx="5486400" cy="4114800"/>
+          </a:xfrm>
+          <a:prstGeom prst="rect">
+            <a:avLst/>
+          </a:prstGeom>
+        </p:spPr>
+        <p:txBody>
+          <a:bodyPr spcFirstLastPara="1" wrap="square" lIns="91425" tIns="91425" rIns="91425" bIns="91425" anchor="t" anchorCtr="0">
+            <a:noAutofit/>
+          </a:bodyPr>
+          <a:lstStyle/>
+          <a:p>
+            <a:pPr marL="0" lvl="0" indent="0" algn="l" rtl="0">
+              <a:spcBef>
+                <a:spcPts val="0"/>
+              </a:spcBef>
+              <a:spcAft>
+                <a:spcPts val="0"/>
+              </a:spcAft>
+              <a:buNone/>
+            </a:pPr>
+            <a:endParaRPr/>
+          </a:p>
+        </p:txBody>
+      </p:sp>
+    </p:spTree>
+  </p:cSld>
+  <p:clrMapOvr>
+    <a:masterClrMapping/>
+  </p:clrMapOvr>
+</p:notes>
+</file>
+
+<file path=ppt/notesSlides/notesSlide49.xml><?xml version="1.0" encoding="utf-8"?>
+<p:notes xmlns:a="http://schemas.openxmlformats.org/drawingml/2006/main" xmlns:r="http://schemas.openxmlformats.org/officeDocument/2006/relationships" xmlns:p="http://schemas.openxmlformats.org/presentationml/2006/main" showMasterSp="0" showMasterPhAnim="0">
+  <p:cSld>
+    <p:spTree>
+      <p:nvGrpSpPr>
+        <p:cNvPr id="1" name="Shape 360"/>
+        <p:cNvGrpSpPr/>
+        <p:nvPr/>
+      </p:nvGrpSpPr>
+      <p:grpSpPr>
+        <a:xfrm>
+          <a:off x="0" y="0"/>
+          <a:ext cx="0" cy="0"/>
+          <a:chOff x="0" y="0"/>
+          <a:chExt cx="0" cy="0"/>
+        </a:xfrm>
+      </p:grpSpPr>
+      <p:sp>
+        <p:nvSpPr>
+          <p:cNvPr id="361" name="Google Shape;361;g31851766b0d_0_85:notes"/>
+          <p:cNvSpPr>
+            <a:spLocks noGrp="1" noRot="1" noChangeAspect="1"/>
+          </p:cNvSpPr>
+          <p:nvPr>
+            <p:ph type="sldImg" idx="2"/>
+          </p:nvPr>
+        </p:nvSpPr>
+        <p:spPr>
+          <a:xfrm>
+            <a:off x="381188" y="685800"/>
+            <a:ext cx="6096300" cy="3429000"/>
+          </a:xfrm>
+          <a:custGeom>
+            <a:avLst/>
+            <a:gdLst/>
+            <a:ahLst/>
+            <a:cxnLst/>
+            <a:rect l="l" t="t" r="r" b="b"/>
+            <a:pathLst>
+              <a:path w="120000" h="120000" extrusionOk="0">
+                <a:moveTo>
+                  <a:pt x="0" y="0"/>
+                </a:moveTo>
+                <a:lnTo>
+                  <a:pt x="120000" y="0"/>
+                </a:lnTo>
+                <a:lnTo>
+                  <a:pt x="120000" y="120000"/>
+                </a:lnTo>
+                <a:lnTo>
+                  <a:pt x="0" y="120000"/>
+                </a:lnTo>
+                <a:close/>
+              </a:path>
+            </a:pathLst>
+          </a:custGeom>
+        </p:spPr>
+      </p:sp>
+      <p:sp>
+        <p:nvSpPr>
+          <p:cNvPr id="362" name="Google Shape;362;g31851766b0d_0_85:notes"/>
           <p:cNvSpPr txBox="1">
             <a:spLocks noGrp="1"/>
           </p:cNvSpPr>
@@ -5454,110 +5453,6 @@
   <p:cSld>
     <p:spTree>
       <p:nvGrpSpPr>
-        <p:cNvPr id="1" name="Shape 360"/>
-        <p:cNvGrpSpPr/>
-        <p:nvPr/>
-      </p:nvGrpSpPr>
-      <p:grpSpPr>
-        <a:xfrm>
-          <a:off x="0" y="0"/>
-          <a:ext cx="0" cy="0"/>
-          <a:chOff x="0" y="0"/>
-          <a:chExt cx="0" cy="0"/>
-        </a:xfrm>
-      </p:grpSpPr>
-      <p:sp>
-        <p:nvSpPr>
-          <p:cNvPr id="361" name="Google Shape;361;g31851766b0d_0_85:notes"/>
-          <p:cNvSpPr>
-            <a:spLocks noGrp="1" noRot="1" noChangeAspect="1"/>
-          </p:cNvSpPr>
-          <p:nvPr>
-            <p:ph type="sldImg" idx="2"/>
-          </p:nvPr>
-        </p:nvSpPr>
-        <p:spPr>
-          <a:xfrm>
-            <a:off x="381188" y="685800"/>
-            <a:ext cx="6096300" cy="3429000"/>
-          </a:xfrm>
-          <a:custGeom>
-            <a:avLst/>
-            <a:gdLst/>
-            <a:ahLst/>
-            <a:cxnLst/>
-            <a:rect l="l" t="t" r="r" b="b"/>
-            <a:pathLst>
-              <a:path w="120000" h="120000" extrusionOk="0">
-                <a:moveTo>
-                  <a:pt x="0" y="0"/>
-                </a:moveTo>
-                <a:lnTo>
-                  <a:pt x="120000" y="0"/>
-                </a:lnTo>
-                <a:lnTo>
-                  <a:pt x="120000" y="120000"/>
-                </a:lnTo>
-                <a:lnTo>
-                  <a:pt x="0" y="120000"/>
-                </a:lnTo>
-                <a:close/>
-              </a:path>
-            </a:pathLst>
-          </a:custGeom>
-        </p:spPr>
-      </p:sp>
-      <p:sp>
-        <p:nvSpPr>
-          <p:cNvPr id="362" name="Google Shape;362;g31851766b0d_0_85:notes"/>
-          <p:cNvSpPr txBox="1">
-            <a:spLocks noGrp="1"/>
-          </p:cNvSpPr>
-          <p:nvPr>
-            <p:ph type="body" idx="1"/>
-          </p:nvPr>
-        </p:nvSpPr>
-        <p:spPr>
-          <a:xfrm>
-            <a:off x="685800" y="4343400"/>
-            <a:ext cx="5486400" cy="4114800"/>
-          </a:xfrm>
-          <a:prstGeom prst="rect">
-            <a:avLst/>
-          </a:prstGeom>
-        </p:spPr>
-        <p:txBody>
-          <a:bodyPr spcFirstLastPara="1" wrap="square" lIns="91425" tIns="91425" rIns="91425" bIns="91425" anchor="t" anchorCtr="0">
-            <a:noAutofit/>
-          </a:bodyPr>
-          <a:lstStyle/>
-          <a:p>
-            <a:pPr marL="0" lvl="0" indent="0" algn="l" rtl="0">
-              <a:spcBef>
-                <a:spcPts val="0"/>
-              </a:spcBef>
-              <a:spcAft>
-                <a:spcPts val="0"/>
-              </a:spcAft>
-              <a:buNone/>
-            </a:pPr>
-            <a:endParaRPr/>
-          </a:p>
-        </p:txBody>
-      </p:sp>
-    </p:spTree>
-  </p:cSld>
-  <p:clrMapOvr>
-    <a:masterClrMapping/>
-  </p:clrMapOvr>
-</p:notes>
-</file>
-
-<file path=ppt/notesSlides/notesSlide51.xml><?xml version="1.0" encoding="utf-8"?>
-<p:notes xmlns:a="http://schemas.openxmlformats.org/drawingml/2006/main" xmlns:r="http://schemas.openxmlformats.org/officeDocument/2006/relationships" xmlns:p="http://schemas.openxmlformats.org/presentationml/2006/main" showMasterSp="0" showMasterPhAnim="0">
-  <p:cSld>
-    <p:spTree>
-      <p:nvGrpSpPr>
         <p:cNvPr id="1" name="Shape 366"/>
         <p:cNvGrpSpPr/>
         <p:nvPr/>
@@ -5657,7 +5552,7 @@
 </p:notes>
 </file>
 
-<file path=ppt/notesSlides/notesSlide52.xml><?xml version="1.0" encoding="utf-8"?>
+<file path=ppt/notesSlides/notesSlide51.xml><?xml version="1.0" encoding="utf-8"?>
 <p:notes xmlns:a="http://schemas.openxmlformats.org/drawingml/2006/main" xmlns:r="http://schemas.openxmlformats.org/officeDocument/2006/relationships" xmlns:p="http://schemas.openxmlformats.org/presentationml/2006/main" showMasterSp="0" showMasterPhAnim="0">
   <p:cSld>
     <p:spTree>
@@ -5761,7 +5656,7 @@
 </p:notes>
 </file>
 
-<file path=ppt/notesSlides/notesSlide53.xml><?xml version="1.0" encoding="utf-8"?>
+<file path=ppt/notesSlides/notesSlide52.xml><?xml version="1.0" encoding="utf-8"?>
 <p:notes xmlns:a="http://schemas.openxmlformats.org/drawingml/2006/main" xmlns:r="http://schemas.openxmlformats.org/officeDocument/2006/relationships" xmlns:p="http://schemas.openxmlformats.org/presentationml/2006/main" showMasterSp="0" showMasterPhAnim="0">
   <p:cSld>
     <p:spTree>
@@ -5865,7 +5760,7 @@
 </p:notes>
 </file>
 
-<file path=ppt/notesSlides/notesSlide54.xml><?xml version="1.0" encoding="utf-8"?>
+<file path=ppt/notesSlides/notesSlide53.xml><?xml version="1.0" encoding="utf-8"?>
 <p:notes xmlns:a="http://schemas.openxmlformats.org/drawingml/2006/main" xmlns:r="http://schemas.openxmlformats.org/officeDocument/2006/relationships" xmlns:p="http://schemas.openxmlformats.org/presentationml/2006/main" showMasterSp="0" showMasterPhAnim="0">
   <p:cSld>
     <p:spTree>
@@ -24480,8 +24375,8 @@
         </p:nvSpPr>
         <p:spPr>
           <a:xfrm>
-            <a:off x="311700" y="1091050"/>
-            <a:ext cx="7114800" cy="3763200"/>
+            <a:off x="311699" y="1091050"/>
+            <a:ext cx="8520599" cy="3763200"/>
           </a:xfrm>
           <a:prstGeom prst="rect">
             <a:avLst/>
@@ -24493,16 +24388,39 @@
           </a:bodyPr>
           <a:lstStyle/>
           <a:p>
-            <a:pPr marL="0" lvl="0" indent="0" algn="l" rtl="0">
+            <a:pPr marL="457200" lvl="0" indent="-298450" algn="l" rtl="0">
+              <a:lnSpc>
+                <a:spcPct val="100000"/>
+              </a:lnSpc>
               <a:spcBef>
                 <a:spcPts val="1200"/>
               </a:spcBef>
               <a:spcAft>
                 <a:spcPts val="0"/>
               </a:spcAft>
-              <a:buNone/>
-            </a:pPr>
-            <a:endParaRPr sz="1100" b="1">
+              <a:buSzPts val="1100"/>
+              <a:buFont typeface="Arial"/>
+              <a:buChar char="●"/>
+            </a:pPr>
+            <a:r>
+              <a:rPr lang="en" sz="1100" b="1" dirty="0">
+                <a:latin typeface="Arial"/>
+                <a:ea typeface="Arial"/>
+                <a:cs typeface="Arial"/>
+                <a:sym typeface="Arial"/>
+              </a:rPr>
+              <a:t>Terraform Import: </a:t>
+            </a:r>
+            <a:r>
+              <a:rPr lang="en" sz="1100" dirty="0">
+                <a:latin typeface="Arial"/>
+                <a:ea typeface="Arial"/>
+                <a:cs typeface="Arial"/>
+                <a:sym typeface="Arial"/>
+              </a:rPr>
+              <a:t>Terraform Import is a feature that allows you to bring existing infrastructure resources into Terraform state file. This is useful for managing infrastructure that was created outside of Terraform or when migrating to Terraform.</a:t>
+            </a:r>
+            <a:endParaRPr sz="1100" dirty="0">
               <a:latin typeface="Arial"/>
               <a:ea typeface="Arial"/>
               <a:cs typeface="Arial"/>
@@ -24515,7 +24433,7 @@
                 <a:spcPct val="100000"/>
               </a:lnSpc>
               <a:spcBef>
-                <a:spcPts val="1200"/>
+                <a:spcPts val="1400"/>
               </a:spcBef>
               <a:spcAft>
                 <a:spcPts val="0"/>
@@ -24525,29 +24443,202 @@
               <a:buChar char="●"/>
             </a:pPr>
             <a:r>
-              <a:rPr lang="en" sz="1100" b="1">
+              <a:rPr lang="en-IN" sz="1300" b="1" dirty="0">
                 <a:latin typeface="Arial"/>
                 <a:ea typeface="Arial"/>
                 <a:cs typeface="Arial"/>
                 <a:sym typeface="Arial"/>
               </a:rPr>
-              <a:t>Terraform Import: </a:t>
-            </a:r>
-            <a:r>
-              <a:rPr lang="en" sz="1100">
+              <a:t>Basic Syntax</a:t>
+            </a:r>
+            <a:endParaRPr lang="en-IN" sz="1100" dirty="0">
+              <a:latin typeface="Arial"/>
+              <a:ea typeface="Arial"/>
+              <a:cs typeface="Arial"/>
+              <a:sym typeface="Arial"/>
+            </a:endParaRPr>
+          </a:p>
+          <a:p>
+            <a:pPr marL="457200" lvl="0" indent="0" algn="l" rtl="0">
+              <a:lnSpc>
+                <a:spcPct val="100000"/>
+              </a:lnSpc>
+              <a:spcBef>
+                <a:spcPts val="400"/>
+              </a:spcBef>
+              <a:spcAft>
+                <a:spcPts val="0"/>
+              </a:spcAft>
+              <a:buNone/>
+            </a:pPr>
+            <a:r>
+              <a:rPr lang="en-IN" sz="1100" dirty="0">
+                <a:solidFill>
+                  <a:srgbClr val="188038"/>
+                </a:solidFill>
+                <a:latin typeface="Roboto Mono"/>
+                <a:ea typeface="Roboto Mono"/>
+                <a:cs typeface="Roboto Mono"/>
+                <a:sym typeface="Roboto Mono"/>
+              </a:rPr>
+              <a:t>terraform import [options] &lt;RESOURCE_TYPE.NAME&gt; &lt;RESOURCE_ID&gt;</a:t>
+            </a:r>
+          </a:p>
+          <a:p>
+            <a:pPr marL="457200" lvl="0" indent="-298450" algn="l" rtl="0">
+              <a:lnSpc>
+                <a:spcPct val="100000"/>
+              </a:lnSpc>
+              <a:spcBef>
+                <a:spcPts val="1400"/>
+              </a:spcBef>
+              <a:spcAft>
+                <a:spcPts val="0"/>
+              </a:spcAft>
+              <a:buSzPts val="1100"/>
+              <a:buFont typeface="Arial"/>
+              <a:buChar char="●"/>
+            </a:pPr>
+            <a:r>
+              <a:rPr lang="en" sz="1300" b="1" dirty="0">
                 <a:latin typeface="Arial"/>
                 <a:ea typeface="Arial"/>
                 <a:cs typeface="Arial"/>
                 <a:sym typeface="Arial"/>
               </a:rPr>
-              <a:t>Terraform Import is a feature that allows you to bring existing infrastructure resources into Terraform state file. This is useful for managing infrastructure that was created outside of Terraform or when migrating to Terraform.</a:t>
-            </a:r>
-            <a:endParaRPr sz="1100">
-              <a:latin typeface="Arial"/>
-              <a:ea typeface="Arial"/>
-              <a:cs typeface="Arial"/>
-              <a:sym typeface="Arial"/>
-            </a:endParaRPr>
+              <a:t>How Does Terraform Import Work: </a:t>
+            </a:r>
+            <a:r>
+              <a:rPr lang="en" sz="1100" dirty="0">
+                <a:latin typeface="Arial"/>
+                <a:ea typeface="Arial"/>
+                <a:cs typeface="Arial"/>
+                <a:sym typeface="Arial"/>
+              </a:rPr>
+              <a:t>Terraform Import adds an existing resource to Terraform </a:t>
+            </a:r>
+            <a:r>
+              <a:rPr lang="en" sz="1100" b="1" dirty="0">
+                <a:latin typeface="Arial"/>
+                <a:ea typeface="Arial"/>
+                <a:cs typeface="Arial"/>
+                <a:sym typeface="Arial"/>
+              </a:rPr>
+              <a:t>state file</a:t>
+            </a:r>
+            <a:r>
+              <a:rPr lang="en" sz="1100" dirty="0">
+                <a:latin typeface="Arial"/>
+                <a:ea typeface="Arial"/>
+                <a:cs typeface="Arial"/>
+                <a:sym typeface="Arial"/>
+              </a:rPr>
+              <a:t>, but </a:t>
+            </a:r>
+            <a:r>
+              <a:rPr lang="en" sz="1100" b="1" dirty="0">
+                <a:latin typeface="Arial"/>
+                <a:ea typeface="Arial"/>
+                <a:cs typeface="Arial"/>
+                <a:sym typeface="Arial"/>
+              </a:rPr>
+              <a:t>not the configuration</a:t>
+            </a:r>
+            <a:r>
+              <a:rPr lang="en" sz="1100" dirty="0">
+                <a:latin typeface="Arial"/>
+                <a:ea typeface="Arial"/>
+                <a:cs typeface="Arial"/>
+                <a:sym typeface="Arial"/>
+              </a:rPr>
+              <a:t>. </a:t>
+            </a:r>
+            <a:r>
+              <a:rPr lang="en" sz="1100" b="1" dirty="0">
+                <a:latin typeface="Arial"/>
+                <a:ea typeface="Arial"/>
+                <a:cs typeface="Arial"/>
+                <a:sym typeface="Arial"/>
+              </a:rPr>
+              <a:t>Before</a:t>
+            </a:r>
+            <a:r>
+              <a:rPr lang="en" sz="1100" dirty="0">
+                <a:latin typeface="Arial"/>
+                <a:ea typeface="Arial"/>
+                <a:cs typeface="Arial"/>
+                <a:sym typeface="Arial"/>
+              </a:rPr>
+              <a:t> the import, you must manually write the resource configuration in your </a:t>
+            </a:r>
+            <a:r>
+              <a:rPr lang="en" sz="1100" dirty="0">
+                <a:solidFill>
+                  <a:srgbClr val="188038"/>
+                </a:solidFill>
+                <a:latin typeface="Roboto Mono"/>
+                <a:ea typeface="Roboto Mono"/>
+                <a:cs typeface="Roboto Mono"/>
+                <a:sym typeface="Roboto Mono"/>
+              </a:rPr>
+              <a:t>.tf</a:t>
+            </a:r>
+            <a:r>
+              <a:rPr lang="en" sz="1100" dirty="0">
+                <a:latin typeface="Arial"/>
+                <a:ea typeface="Arial"/>
+                <a:cs typeface="Arial"/>
+                <a:sym typeface="Arial"/>
+              </a:rPr>
+              <a:t> files to match the imported resource.</a:t>
+            </a:r>
+          </a:p>
+          <a:p>
+            <a:pPr marL="457200" lvl="0" indent="-298450" algn="l" rtl="0">
+              <a:lnSpc>
+                <a:spcPct val="100000"/>
+              </a:lnSpc>
+              <a:spcBef>
+                <a:spcPts val="1400"/>
+              </a:spcBef>
+              <a:spcAft>
+                <a:spcPts val="0"/>
+              </a:spcAft>
+              <a:buSzPts val="1100"/>
+              <a:buFont typeface="Arial"/>
+              <a:buChar char="●"/>
+            </a:pPr>
+            <a:r>
+              <a:rPr lang="en-US" sz="1100" dirty="0">
+                <a:latin typeface="Arial"/>
+                <a:ea typeface="Arial"/>
+                <a:cs typeface="Arial"/>
+                <a:sym typeface="Arial"/>
+              </a:rPr>
+              <a:t>Verify the Import</a:t>
+            </a:r>
+          </a:p>
+          <a:p>
+            <a:pPr indent="0">
+              <a:lnSpc>
+                <a:spcPct val="100000"/>
+              </a:lnSpc>
+              <a:spcBef>
+                <a:spcPts val="400"/>
+              </a:spcBef>
+              <a:buNone/>
+            </a:pPr>
+            <a:r>
+              <a:rPr lang="en-US" sz="1100" dirty="0">
+                <a:solidFill>
+                  <a:srgbClr val="188038"/>
+                </a:solidFill>
+                <a:latin typeface="Roboto Mono"/>
+                <a:ea typeface="Roboto Mono"/>
+                <a:sym typeface="Arial"/>
+              </a:rPr>
+              <a:t>terraform state list</a:t>
+            </a:r>
           </a:p>
           <a:p>
             <a:pPr marL="457200" lvl="0" indent="0" algn="l" rtl="0">
@@ -24555,116 +24646,86 @@
                 <a:spcPct val="100000"/>
               </a:lnSpc>
               <a:spcBef>
-                <a:spcPts val="1200"/>
-              </a:spcBef>
-              <a:spcAft>
-                <a:spcPts val="0"/>
-              </a:spcAft>
-              <a:buNone/>
-            </a:pPr>
-            <a:endParaRPr sz="1100">
-              <a:latin typeface="Arial"/>
-              <a:ea typeface="Arial"/>
-              <a:cs typeface="Arial"/>
-              <a:sym typeface="Arial"/>
-            </a:endParaRPr>
-          </a:p>
-          <a:p>
-            <a:pPr marL="457200" lvl="0" indent="-298450" algn="l" rtl="0">
-              <a:lnSpc>
-                <a:spcPct val="100000"/>
-              </a:lnSpc>
-              <a:spcBef>
                 <a:spcPts val="1400"/>
               </a:spcBef>
               <a:spcAft>
                 <a:spcPts val="0"/>
               </a:spcAft>
-              <a:buSzPts val="1100"/>
-              <a:buFont typeface="Arial"/>
-              <a:buChar char="●"/>
-            </a:pPr>
-            <a:r>
-              <a:rPr lang="en" sz="1300" b="1">
+              <a:buNone/>
+            </a:pPr>
+            <a:r>
+              <a:rPr lang="en-US" sz="1100" dirty="0">
                 <a:latin typeface="Arial"/>
                 <a:ea typeface="Arial"/>
                 <a:cs typeface="Arial"/>
                 <a:sym typeface="Arial"/>
               </a:rPr>
-              <a:t> How Does Terraform Import Work: </a:t>
-            </a:r>
-            <a:r>
-              <a:rPr lang="en" sz="1100">
+              <a:t>e.g.:</a:t>
+            </a:r>
+          </a:p>
+          <a:p>
+            <a:pPr marL="457200" lvl="0" indent="0" algn="l" rtl="0">
+              <a:lnSpc>
+                <a:spcPct val="100000"/>
+              </a:lnSpc>
+              <a:spcBef>
+                <a:spcPts val="1400"/>
+              </a:spcBef>
+              <a:spcAft>
+                <a:spcPts val="0"/>
+              </a:spcAft>
+              <a:buNone/>
+            </a:pPr>
+            <a:r>
+              <a:rPr lang="en-US" sz="1100" dirty="0">
                 <a:latin typeface="Arial"/>
                 <a:ea typeface="Arial"/>
                 <a:cs typeface="Arial"/>
                 <a:sym typeface="Arial"/>
               </a:rPr>
-              <a:t>Terraform Import adds an existing resource to Terraform </a:t>
-            </a:r>
-            <a:r>
-              <a:rPr lang="en" sz="1100" b="1">
+              <a:t>resource "aws_s3_bucket" "</a:t>
+            </a:r>
+            <a:r>
+              <a:rPr lang="en-US" sz="1100" dirty="0" err="1">
                 <a:latin typeface="Arial"/>
                 <a:ea typeface="Arial"/>
                 <a:cs typeface="Arial"/>
                 <a:sym typeface="Arial"/>
               </a:rPr>
-              <a:t>state file</a:t>
-            </a:r>
-            <a:r>
-              <a:rPr lang="en" sz="1100">
+              <a:t>my_bucket</a:t>
+            </a:r>
+            <a:r>
+              <a:rPr lang="en-US" sz="1100" dirty="0">
                 <a:latin typeface="Arial"/>
                 <a:ea typeface="Arial"/>
                 <a:cs typeface="Arial"/>
                 <a:sym typeface="Arial"/>
               </a:rPr>
-              <a:t>, but </a:t>
-            </a:r>
-            <a:r>
-              <a:rPr lang="en" sz="1100" b="1">
+              <a:t>" {}</a:t>
+            </a:r>
+          </a:p>
+          <a:p>
+            <a:pPr marL="457200" lvl="0" indent="0" algn="l" rtl="0">
+              <a:lnSpc>
+                <a:spcPct val="100000"/>
+              </a:lnSpc>
+              <a:spcBef>
+                <a:spcPts val="1400"/>
+              </a:spcBef>
+              <a:spcAft>
+                <a:spcPts val="0"/>
+              </a:spcAft>
+              <a:buNone/>
+            </a:pPr>
+            <a:r>
+              <a:rPr lang="en-US" sz="1100" dirty="0">
                 <a:latin typeface="Arial"/>
                 <a:ea typeface="Arial"/>
                 <a:cs typeface="Arial"/>
                 <a:sym typeface="Arial"/>
               </a:rPr>
-              <a:t>not the configuration</a:t>
-            </a:r>
-            <a:r>
-              <a:rPr lang="en" sz="1100">
-                <a:latin typeface="Arial"/>
-                <a:ea typeface="Arial"/>
-                <a:cs typeface="Arial"/>
-                <a:sym typeface="Arial"/>
-              </a:rPr>
-              <a:t>. After the import, you must manually write the resource configuration in your </a:t>
-            </a:r>
-            <a:r>
-              <a:rPr lang="en" sz="1100">
-                <a:solidFill>
-                  <a:srgbClr val="188038"/>
-                </a:solidFill>
-                <a:latin typeface="Roboto Mono"/>
-                <a:ea typeface="Roboto Mono"/>
-                <a:cs typeface="Roboto Mono"/>
-                <a:sym typeface="Roboto Mono"/>
-              </a:rPr>
-              <a:t>.tf</a:t>
-            </a:r>
-            <a:r>
-              <a:rPr lang="en" sz="1100">
-                <a:latin typeface="Arial"/>
-                <a:ea typeface="Arial"/>
-                <a:cs typeface="Arial"/>
-                <a:sym typeface="Arial"/>
-              </a:rPr>
-              <a:t> files to match the imported resource.</a:t>
-            </a:r>
-            <a:endParaRPr sz="1100">
-              <a:latin typeface="Arial"/>
-              <a:ea typeface="Arial"/>
-              <a:cs typeface="Arial"/>
-              <a:sym typeface="Arial"/>
-            </a:endParaRPr>
+              <a:t>terraform import aws_s3_bucket.my_bucket my-existing-bucket-name</a:t>
+            </a:r>
           </a:p>
           <a:p>
             <a:pPr marL="457200" lvl="0" indent="0" algn="l" rtl="0">
@@ -24672,77 +24733,14 @@
                 <a:spcPct val="100000"/>
               </a:lnSpc>
               <a:spcBef>
-                <a:spcPts val="1400"/>
-              </a:spcBef>
-              <a:spcAft>
-                <a:spcPts val="0"/>
-              </a:spcAft>
-              <a:buNone/>
-            </a:pPr>
-            <a:endParaRPr sz="1100">
-              <a:latin typeface="Arial"/>
-              <a:ea typeface="Arial"/>
-              <a:cs typeface="Arial"/>
-              <a:sym typeface="Arial"/>
-            </a:endParaRPr>
-          </a:p>
-          <a:p>
-            <a:pPr marL="457200" lvl="0" indent="-298450" algn="l" rtl="0">
-              <a:lnSpc>
-                <a:spcPct val="100000"/>
-              </a:lnSpc>
-              <a:spcBef>
-                <a:spcPts val="1400"/>
-              </a:spcBef>
-              <a:spcAft>
-                <a:spcPts val="0"/>
-              </a:spcAft>
-              <a:buSzPts val="1100"/>
-              <a:buFont typeface="Arial"/>
-              <a:buChar char="●"/>
-            </a:pPr>
-            <a:r>
-              <a:rPr lang="en" sz="1300" b="1">
-                <a:latin typeface="Arial"/>
-                <a:ea typeface="Arial"/>
-                <a:cs typeface="Arial"/>
-                <a:sym typeface="Arial"/>
-              </a:rPr>
-              <a:t>Basic Syntax</a:t>
-            </a:r>
-            <a:endParaRPr sz="1100">
-              <a:latin typeface="Arial"/>
-              <a:ea typeface="Arial"/>
-              <a:cs typeface="Arial"/>
-              <a:sym typeface="Arial"/>
-            </a:endParaRPr>
-          </a:p>
-          <a:p>
-            <a:pPr marL="457200" lvl="0" indent="0" algn="l" rtl="0">
-              <a:lnSpc>
-                <a:spcPct val="100000"/>
-              </a:lnSpc>
-              <a:spcBef>
-                <a:spcPts val="400"/>
-              </a:spcBef>
-              <a:spcAft>
-                <a:spcPts val="0"/>
-              </a:spcAft>
-              <a:buNone/>
-            </a:pPr>
-            <a:r>
-              <a:rPr lang="en" sz="1100">
-                <a:solidFill>
-                  <a:srgbClr val="188038"/>
-                </a:solidFill>
-                <a:latin typeface="Roboto Mono"/>
-                <a:ea typeface="Roboto Mono"/>
-                <a:cs typeface="Roboto Mono"/>
-                <a:sym typeface="Roboto Mono"/>
-              </a:rPr>
-              <a:t>terraform import [options] &lt;RESOURCE_TYPE.NAME&gt; &lt;RESOURCE_ID&gt;</a:t>
-            </a:r>
-            <a:endParaRPr sz="1100">
+                <a:spcPts val="0"/>
+              </a:spcBef>
+              <a:spcAft>
+                <a:spcPts val="0"/>
+              </a:spcAft>
+              <a:buNone/>
+            </a:pPr>
+            <a:endParaRPr sz="1100" dirty="0">
               <a:solidFill>
                 <a:srgbClr val="188038"/>
               </a:solidFill>
@@ -24753,19 +24751,38 @@
             </a:endParaRPr>
           </a:p>
           <a:p>
+            <a:pPr marL="0" lvl="0" indent="0" algn="l" rtl="0">
+              <a:spcBef>
+                <a:spcPts val="0"/>
+              </a:spcBef>
+              <a:spcAft>
+                <a:spcPts val="0"/>
+              </a:spcAft>
+              <a:buClr>
+                <a:schemeClr val="dk1"/>
+              </a:buClr>
+              <a:buSzPts val="1100"/>
+              <a:buFont typeface="Arial"/>
+              <a:buNone/>
+            </a:pPr>
+            <a:endParaRPr sz="1100" dirty="0">
+              <a:latin typeface="Arial"/>
+              <a:ea typeface="Arial"/>
+              <a:cs typeface="Arial"/>
+              <a:sym typeface="Arial"/>
+            </a:endParaRPr>
+          </a:p>
+          <a:p>
             <a:pPr marL="457200" lvl="0" indent="0" algn="l" rtl="0">
-              <a:lnSpc>
-                <a:spcPct val="100000"/>
-              </a:lnSpc>
-              <a:spcBef>
-                <a:spcPts val="0"/>
-              </a:spcBef>
-              <a:spcAft>
-                <a:spcPts val="0"/>
-              </a:spcAft>
-              <a:buNone/>
-            </a:pPr>
-            <a:endParaRPr sz="1100">
+              <a:spcBef>
+                <a:spcPts val="0"/>
+              </a:spcBef>
+              <a:spcAft>
+                <a:spcPts val="0"/>
+              </a:spcAft>
+              <a:buNone/>
+            </a:pPr>
+            <a:endParaRPr sz="1100" dirty="0">
               <a:solidFill>
                 <a:srgbClr val="188038"/>
               </a:solidFill>
@@ -24777,130 +24794,24 @@
           </a:p>
           <a:p>
             <a:pPr marL="457200" lvl="0" indent="0" algn="l" rtl="0">
-              <a:lnSpc>
-                <a:spcPct val="100000"/>
-              </a:lnSpc>
-              <a:spcBef>
-                <a:spcPts val="0"/>
-              </a:spcBef>
-              <a:spcAft>
-                <a:spcPts val="0"/>
-              </a:spcAft>
-              <a:buNone/>
-            </a:pPr>
-            <a:r>
-              <a:rPr lang="en" sz="1300" b="1">
+              <a:spcBef>
+                <a:spcPts val="1200"/>
+              </a:spcBef>
+              <a:spcAft>
+                <a:spcPts val="1200"/>
+              </a:spcAft>
+              <a:buNone/>
+            </a:pPr>
+            <a:r>
+              <a:rPr lang="en" sz="900" dirty="0">
                 <a:latin typeface="Arial"/>
                 <a:ea typeface="Arial"/>
                 <a:cs typeface="Arial"/>
                 <a:sym typeface="Arial"/>
               </a:rPr>
-              <a:t>Verify the Import</a:t>
-            </a:r>
-            <a:endParaRPr sz="1100" b="1">
-              <a:latin typeface="Arial"/>
-              <a:ea typeface="Arial"/>
-              <a:cs typeface="Arial"/>
-              <a:sym typeface="Arial"/>
-            </a:endParaRPr>
-          </a:p>
-          <a:p>
-            <a:pPr marL="457200" lvl="0" indent="0" algn="l" rtl="0">
-              <a:lnSpc>
-                <a:spcPct val="100000"/>
-              </a:lnSpc>
-              <a:spcBef>
-                <a:spcPts val="0"/>
-              </a:spcBef>
-              <a:spcAft>
-                <a:spcPts val="0"/>
-              </a:spcAft>
-              <a:buNone/>
-            </a:pPr>
-            <a:r>
-              <a:rPr lang="en" sz="1100">
-                <a:solidFill>
-                  <a:srgbClr val="188038"/>
-                </a:solidFill>
-                <a:latin typeface="Roboto Mono"/>
-                <a:ea typeface="Roboto Mono"/>
-                <a:cs typeface="Roboto Mono"/>
-                <a:sym typeface="Roboto Mono"/>
-              </a:rPr>
-              <a:t>terraform state list</a:t>
-            </a:r>
-            <a:endParaRPr sz="1100">
-              <a:solidFill>
-                <a:srgbClr val="188038"/>
-              </a:solidFill>
-              <a:latin typeface="Roboto Mono"/>
-              <a:ea typeface="Roboto Mono"/>
-              <a:cs typeface="Roboto Mono"/>
-              <a:sym typeface="Roboto Mono"/>
-            </a:endParaRPr>
-          </a:p>
-          <a:p>
-            <a:pPr marL="0" lvl="0" indent="0" algn="l" rtl="0">
-              <a:spcBef>
-                <a:spcPts val="0"/>
-              </a:spcBef>
-              <a:spcAft>
-                <a:spcPts val="0"/>
-              </a:spcAft>
-              <a:buClr>
-                <a:schemeClr val="dk1"/>
-              </a:buClr>
-              <a:buSzPts val="1100"/>
-              <a:buFont typeface="Arial"/>
-              <a:buNone/>
-            </a:pPr>
-            <a:endParaRPr sz="1100">
-              <a:latin typeface="Arial"/>
-              <a:ea typeface="Arial"/>
-              <a:cs typeface="Arial"/>
-              <a:sym typeface="Arial"/>
-            </a:endParaRPr>
-          </a:p>
-          <a:p>
-            <a:pPr marL="457200" lvl="0" indent="0" algn="l" rtl="0">
-              <a:spcBef>
-                <a:spcPts val="0"/>
-              </a:spcBef>
-              <a:spcAft>
-                <a:spcPts val="0"/>
-              </a:spcAft>
-              <a:buNone/>
-            </a:pPr>
-            <a:endParaRPr sz="1100">
-              <a:solidFill>
-                <a:srgbClr val="188038"/>
-              </a:solidFill>
-              <a:latin typeface="Roboto Mono"/>
-              <a:ea typeface="Roboto Mono"/>
-              <a:cs typeface="Roboto Mono"/>
-              <a:sym typeface="Roboto Mono"/>
-            </a:endParaRPr>
-          </a:p>
-          <a:p>
-            <a:pPr marL="457200" lvl="0" indent="0" algn="l" rtl="0">
-              <a:spcBef>
-                <a:spcPts val="1200"/>
-              </a:spcBef>
-              <a:spcAft>
-                <a:spcPts val="1200"/>
-              </a:spcAft>
-              <a:buNone/>
-            </a:pPr>
-            <a:r>
-              <a:rPr lang="en" sz="900">
-                <a:latin typeface="Arial"/>
-                <a:ea typeface="Arial"/>
-                <a:cs typeface="Arial"/>
-                <a:sym typeface="Arial"/>
-              </a:rPr>
               <a:t>.</a:t>
             </a:r>
-            <a:endParaRPr sz="1100" b="1">
+            <a:endParaRPr sz="1100" b="1" dirty="0">
               <a:latin typeface="Arial"/>
               <a:ea typeface="Arial"/>
               <a:cs typeface="Arial"/>
@@ -26850,452 +26761,6 @@
   <p:cSld>
     <p:spTree>
       <p:nvGrpSpPr>
-        <p:cNvPr id="1" name="Shape 303"/>
-        <p:cNvGrpSpPr/>
-        <p:nvPr/>
-      </p:nvGrpSpPr>
-      <p:grpSpPr>
-        <a:xfrm>
-          <a:off x="0" y="0"/>
-          <a:ext cx="0" cy="0"/>
-          <a:chOff x="0" y="0"/>
-          <a:chExt cx="0" cy="0"/>
-        </a:xfrm>
-      </p:grpSpPr>
-      <p:sp>
-        <p:nvSpPr>
-          <p:cNvPr id="304" name="Google Shape;304;p53"/>
-          <p:cNvSpPr txBox="1">
-            <a:spLocks noGrp="1"/>
-          </p:cNvSpPr>
-          <p:nvPr>
-            <p:ph type="title"/>
-          </p:nvPr>
-        </p:nvSpPr>
-        <p:spPr>
-          <a:xfrm>
-            <a:off x="311700" y="445025"/>
-            <a:ext cx="8520600" cy="613200"/>
-          </a:xfrm>
-          <a:prstGeom prst="rect">
-            <a:avLst/>
-          </a:prstGeom>
-        </p:spPr>
-        <p:txBody>
-          <a:bodyPr spcFirstLastPara="1" wrap="square" lIns="91425" tIns="91425" rIns="91425" bIns="91425" anchor="t" anchorCtr="0">
-            <a:noAutofit/>
-          </a:bodyPr>
-          <a:lstStyle/>
-          <a:p>
-            <a:pPr marL="0" lvl="0" indent="0" algn="l" rtl="0">
-              <a:spcBef>
-                <a:spcPts val="0"/>
-              </a:spcBef>
-              <a:spcAft>
-                <a:spcPts val="0"/>
-              </a:spcAft>
-              <a:buNone/>
-            </a:pPr>
-            <a:r>
-              <a:rPr lang="en"/>
-              <a:t>Managing Multiple Env with workspaces</a:t>
-            </a:r>
-            <a:endParaRPr/>
-          </a:p>
-        </p:txBody>
-      </p:sp>
-      <p:sp>
-        <p:nvSpPr>
-          <p:cNvPr id="305" name="Google Shape;305;p53"/>
-          <p:cNvSpPr txBox="1">
-            <a:spLocks noGrp="1"/>
-          </p:cNvSpPr>
-          <p:nvPr>
-            <p:ph type="body" idx="1"/>
-          </p:nvPr>
-        </p:nvSpPr>
-        <p:spPr>
-          <a:xfrm>
-            <a:off x="311700" y="942425"/>
-            <a:ext cx="7114800" cy="3763200"/>
-          </a:xfrm>
-          <a:prstGeom prst="rect">
-            <a:avLst/>
-          </a:prstGeom>
-        </p:spPr>
-        <p:txBody>
-          <a:bodyPr spcFirstLastPara="1" wrap="square" lIns="91425" tIns="91425" rIns="91425" bIns="91425" anchor="t" anchorCtr="0">
-            <a:noAutofit/>
-          </a:bodyPr>
-          <a:lstStyle/>
-          <a:p>
-            <a:pPr marL="0" lvl="0" indent="0" algn="l" rtl="0">
-              <a:spcBef>
-                <a:spcPts val="1200"/>
-              </a:spcBef>
-              <a:spcAft>
-                <a:spcPts val="0"/>
-              </a:spcAft>
-              <a:buNone/>
-            </a:pPr>
-            <a:r>
-              <a:rPr lang="en" sz="1100">
-                <a:latin typeface="Arial"/>
-                <a:ea typeface="Arial"/>
-                <a:cs typeface="Arial"/>
-                <a:sym typeface="Arial"/>
-              </a:rPr>
-              <a:t>Terraform workspaces are a built-in feature that allows you to manage multiple environments by isolating state files. Each workspace has its own state file, making it easy to manage resources for different environments like </a:t>
-            </a:r>
-            <a:r>
-              <a:rPr lang="en" sz="1100">
-                <a:solidFill>
-                  <a:srgbClr val="188038"/>
-                </a:solidFill>
-                <a:latin typeface="Roboto Mono"/>
-                <a:ea typeface="Roboto Mono"/>
-                <a:cs typeface="Roboto Mono"/>
-                <a:sym typeface="Roboto Mono"/>
-              </a:rPr>
-              <a:t>dev</a:t>
-            </a:r>
-            <a:r>
-              <a:rPr lang="en" sz="1100">
-                <a:latin typeface="Arial"/>
-                <a:ea typeface="Arial"/>
-                <a:cs typeface="Arial"/>
-                <a:sym typeface="Arial"/>
-              </a:rPr>
-              <a:t>, </a:t>
-            </a:r>
-            <a:r>
-              <a:rPr lang="en" sz="1100">
-                <a:solidFill>
-                  <a:srgbClr val="188038"/>
-                </a:solidFill>
-                <a:latin typeface="Roboto Mono"/>
-                <a:ea typeface="Roboto Mono"/>
-                <a:cs typeface="Roboto Mono"/>
-                <a:sym typeface="Roboto Mono"/>
-              </a:rPr>
-              <a:t>qa</a:t>
-            </a:r>
-            <a:r>
-              <a:rPr lang="en" sz="1100">
-                <a:latin typeface="Arial"/>
-                <a:ea typeface="Arial"/>
-                <a:cs typeface="Arial"/>
-                <a:sym typeface="Arial"/>
-              </a:rPr>
-              <a:t>, and </a:t>
-            </a:r>
-            <a:r>
-              <a:rPr lang="en" sz="1100">
-                <a:solidFill>
-                  <a:srgbClr val="188038"/>
-                </a:solidFill>
-                <a:latin typeface="Roboto Mono"/>
-                <a:ea typeface="Roboto Mono"/>
-                <a:cs typeface="Roboto Mono"/>
-                <a:sym typeface="Roboto Mono"/>
-              </a:rPr>
-              <a:t>prod</a:t>
-            </a:r>
-            <a:endParaRPr sz="1100">
-              <a:solidFill>
-                <a:srgbClr val="188038"/>
-              </a:solidFill>
-              <a:latin typeface="Roboto Mono"/>
-              <a:ea typeface="Roboto Mono"/>
-              <a:cs typeface="Roboto Mono"/>
-              <a:sym typeface="Roboto Mono"/>
-            </a:endParaRPr>
-          </a:p>
-          <a:p>
-            <a:pPr marL="457200" lvl="0" indent="-298450" algn="l" rtl="0">
-              <a:spcBef>
-                <a:spcPts val="1200"/>
-              </a:spcBef>
-              <a:spcAft>
-                <a:spcPts val="0"/>
-              </a:spcAft>
-              <a:buSzPts val="1100"/>
-              <a:buChar char="●"/>
-            </a:pPr>
-            <a:r>
-              <a:rPr lang="en" sz="1100">
-                <a:latin typeface="Arial"/>
-                <a:ea typeface="Arial"/>
-                <a:cs typeface="Arial"/>
-                <a:sym typeface="Arial"/>
-              </a:rPr>
-              <a:t>Terraform starts with a default workspace named </a:t>
-            </a:r>
-            <a:r>
-              <a:rPr lang="en" sz="1100">
-                <a:solidFill>
-                  <a:srgbClr val="188038"/>
-                </a:solidFill>
-                <a:latin typeface="Roboto Mono"/>
-                <a:ea typeface="Roboto Mono"/>
-                <a:cs typeface="Roboto Mono"/>
-                <a:sym typeface="Roboto Mono"/>
-              </a:rPr>
-              <a:t>default</a:t>
-            </a:r>
-            <a:r>
-              <a:rPr lang="en" sz="1100">
-                <a:latin typeface="Arial"/>
-                <a:ea typeface="Arial"/>
-                <a:cs typeface="Arial"/>
-                <a:sym typeface="Arial"/>
-              </a:rPr>
-              <a:t>.</a:t>
-            </a:r>
-            <a:endParaRPr sz="1100">
-              <a:latin typeface="Arial"/>
-              <a:ea typeface="Arial"/>
-              <a:cs typeface="Arial"/>
-              <a:sym typeface="Arial"/>
-            </a:endParaRPr>
-          </a:p>
-          <a:p>
-            <a:pPr marL="0" lvl="0" indent="0" algn="l" rtl="0">
-              <a:spcBef>
-                <a:spcPts val="1200"/>
-              </a:spcBef>
-              <a:spcAft>
-                <a:spcPts val="0"/>
-              </a:spcAft>
-              <a:buNone/>
-            </a:pPr>
-            <a:endParaRPr sz="1100">
-              <a:latin typeface="Arial"/>
-              <a:ea typeface="Arial"/>
-              <a:cs typeface="Arial"/>
-              <a:sym typeface="Arial"/>
-            </a:endParaRPr>
-          </a:p>
-          <a:p>
-            <a:pPr marL="457200" lvl="0" indent="-298450" algn="l" rtl="0">
-              <a:spcBef>
-                <a:spcPts val="1200"/>
-              </a:spcBef>
-              <a:spcAft>
-                <a:spcPts val="0"/>
-              </a:spcAft>
-              <a:buSzPts val="1100"/>
-              <a:buChar char="●"/>
-            </a:pPr>
-            <a:r>
-              <a:rPr lang="en" sz="1100">
-                <a:latin typeface="Arial"/>
-                <a:ea typeface="Arial"/>
-                <a:cs typeface="Arial"/>
-                <a:sym typeface="Arial"/>
-              </a:rPr>
-              <a:t>Use the </a:t>
-            </a:r>
-            <a:r>
-              <a:rPr lang="en" sz="1100">
-                <a:solidFill>
-                  <a:srgbClr val="188038"/>
-                </a:solidFill>
-                <a:latin typeface="Roboto Mono"/>
-                <a:ea typeface="Roboto Mono"/>
-                <a:cs typeface="Roboto Mono"/>
-                <a:sym typeface="Roboto Mono"/>
-              </a:rPr>
-              <a:t>terraform workspace new</a:t>
-            </a:r>
-            <a:r>
-              <a:rPr lang="en" sz="1100">
-                <a:latin typeface="Arial"/>
-                <a:ea typeface="Arial"/>
-                <a:cs typeface="Arial"/>
-                <a:sym typeface="Arial"/>
-              </a:rPr>
-              <a:t> command to create workspaces for each environment.</a:t>
-            </a:r>
-            <a:endParaRPr sz="1100">
-              <a:latin typeface="Arial"/>
-              <a:ea typeface="Arial"/>
-              <a:cs typeface="Arial"/>
-              <a:sym typeface="Arial"/>
-            </a:endParaRPr>
-          </a:p>
-          <a:p>
-            <a:pPr marL="0" lvl="0" indent="0" algn="l" rtl="0">
-              <a:spcBef>
-                <a:spcPts val="1200"/>
-              </a:spcBef>
-              <a:spcAft>
-                <a:spcPts val="0"/>
-              </a:spcAft>
-              <a:buNone/>
-            </a:pPr>
-            <a:r>
-              <a:rPr lang="en" sz="1100">
-                <a:solidFill>
-                  <a:srgbClr val="188038"/>
-                </a:solidFill>
-                <a:latin typeface="Roboto Mono"/>
-                <a:ea typeface="Roboto Mono"/>
-                <a:cs typeface="Roboto Mono"/>
-                <a:sym typeface="Roboto Mono"/>
-              </a:rPr>
-              <a:t>terraform workspace new dev</a:t>
-            </a:r>
-            <a:endParaRPr sz="1100">
-              <a:solidFill>
-                <a:srgbClr val="188038"/>
-              </a:solidFill>
-              <a:latin typeface="Roboto Mono"/>
-              <a:ea typeface="Roboto Mono"/>
-              <a:cs typeface="Roboto Mono"/>
-              <a:sym typeface="Roboto Mono"/>
-            </a:endParaRPr>
-          </a:p>
-          <a:p>
-            <a:pPr marL="0" lvl="0" indent="0" algn="l" rtl="0">
-              <a:spcBef>
-                <a:spcPts val="0"/>
-              </a:spcBef>
-              <a:spcAft>
-                <a:spcPts val="0"/>
-              </a:spcAft>
-              <a:buNone/>
-            </a:pPr>
-            <a:endParaRPr sz="1100">
-              <a:solidFill>
-                <a:srgbClr val="188038"/>
-              </a:solidFill>
-              <a:latin typeface="Roboto Mono"/>
-              <a:ea typeface="Roboto Mono"/>
-              <a:cs typeface="Roboto Mono"/>
-              <a:sym typeface="Roboto Mono"/>
-            </a:endParaRPr>
-          </a:p>
-          <a:p>
-            <a:pPr marL="457200" lvl="0" indent="-298450" algn="l" rtl="0">
-              <a:spcBef>
-                <a:spcPts val="1200"/>
-              </a:spcBef>
-              <a:spcAft>
-                <a:spcPts val="0"/>
-              </a:spcAft>
-              <a:buSzPts val="1100"/>
-              <a:buFont typeface="Arial"/>
-              <a:buChar char="●"/>
-            </a:pPr>
-            <a:r>
-              <a:rPr lang="en" sz="1100">
-                <a:latin typeface="Arial"/>
-                <a:ea typeface="Arial"/>
-                <a:cs typeface="Arial"/>
-                <a:sym typeface="Arial"/>
-              </a:rPr>
-              <a:t>Use the following command to see all available workspaces:</a:t>
-            </a:r>
-            <a:endParaRPr sz="1100">
-              <a:latin typeface="Arial"/>
-              <a:ea typeface="Arial"/>
-              <a:cs typeface="Arial"/>
-              <a:sym typeface="Arial"/>
-            </a:endParaRPr>
-          </a:p>
-          <a:p>
-            <a:pPr marL="0" lvl="0" indent="0" algn="l" rtl="0">
-              <a:spcBef>
-                <a:spcPts val="1200"/>
-              </a:spcBef>
-              <a:spcAft>
-                <a:spcPts val="0"/>
-              </a:spcAft>
-              <a:buNone/>
-            </a:pPr>
-            <a:r>
-              <a:rPr lang="en" sz="1100">
-                <a:solidFill>
-                  <a:srgbClr val="188038"/>
-                </a:solidFill>
-                <a:latin typeface="Roboto Mono"/>
-                <a:ea typeface="Roboto Mono"/>
-                <a:cs typeface="Roboto Mono"/>
-                <a:sym typeface="Roboto Mono"/>
-              </a:rPr>
-              <a:t>terraform workspace list</a:t>
-            </a:r>
-            <a:endParaRPr sz="1100">
-              <a:solidFill>
-                <a:srgbClr val="188038"/>
-              </a:solidFill>
-              <a:latin typeface="Roboto Mono"/>
-              <a:ea typeface="Roboto Mono"/>
-              <a:cs typeface="Roboto Mono"/>
-              <a:sym typeface="Roboto Mono"/>
-            </a:endParaRPr>
-          </a:p>
-          <a:p>
-            <a:pPr marL="0" lvl="0" indent="0" algn="l" rtl="0">
-              <a:spcBef>
-                <a:spcPts val="0"/>
-              </a:spcBef>
-              <a:spcAft>
-                <a:spcPts val="0"/>
-              </a:spcAft>
-              <a:buClr>
-                <a:schemeClr val="dk1"/>
-              </a:buClr>
-              <a:buSzPts val="1100"/>
-              <a:buFont typeface="Arial"/>
-              <a:buNone/>
-            </a:pPr>
-            <a:endParaRPr sz="1100">
-              <a:solidFill>
-                <a:srgbClr val="188038"/>
-              </a:solidFill>
-              <a:latin typeface="Roboto Mono"/>
-              <a:ea typeface="Roboto Mono"/>
-              <a:cs typeface="Roboto Mono"/>
-              <a:sym typeface="Roboto Mono"/>
-            </a:endParaRPr>
-          </a:p>
-          <a:p>
-            <a:pPr marL="0" lvl="0" indent="0" algn="l" rtl="0">
-              <a:spcBef>
-                <a:spcPts val="1200"/>
-              </a:spcBef>
-              <a:spcAft>
-                <a:spcPts val="1200"/>
-              </a:spcAft>
-              <a:buNone/>
-            </a:pPr>
-            <a:endParaRPr sz="1100">
-              <a:solidFill>
-                <a:srgbClr val="188038"/>
-              </a:solidFill>
-              <a:latin typeface="Roboto Mono"/>
-              <a:ea typeface="Roboto Mono"/>
-              <a:cs typeface="Roboto Mono"/>
-              <a:sym typeface="Roboto Mono"/>
-            </a:endParaRPr>
-          </a:p>
-        </p:txBody>
-      </p:sp>
-    </p:spTree>
-  </p:cSld>
-  <p:clrMapOvr>
-    <a:masterClrMapping/>
-  </p:clrMapOvr>
-</p:sld>
-</file>
-
-<file path=ppt/slides/slide41.xml><?xml version="1.0" encoding="utf-8"?>
-<p:sld xmlns:a="http://schemas.openxmlformats.org/drawingml/2006/main" xmlns:r="http://schemas.openxmlformats.org/officeDocument/2006/relationships" xmlns:p="http://schemas.openxmlformats.org/presentationml/2006/main">
-  <p:cSld>
-    <p:spTree>
-      <p:nvGrpSpPr>
         <p:cNvPr id="1" name="Shape 309"/>
         <p:cNvGrpSpPr/>
         <p:nvPr/>
@@ -27418,7 +26883,7 @@
 </p:sld>
 </file>
 
-<file path=ppt/slides/slide42.xml><?xml version="1.0" encoding="utf-8"?>
+<file path=ppt/slides/slide41.xml><?xml version="1.0" encoding="utf-8"?>
 <p:sld xmlns:a="http://schemas.openxmlformats.org/drawingml/2006/main" xmlns:r="http://schemas.openxmlformats.org/officeDocument/2006/relationships" xmlns:p="http://schemas.openxmlformats.org/presentationml/2006/main">
   <p:cSld>
     <p:spTree>
@@ -27987,7 +27452,7 @@
 </p:sld>
 </file>
 
-<file path=ppt/slides/slide43.xml><?xml version="1.0" encoding="utf-8"?>
+<file path=ppt/slides/slide42.xml><?xml version="1.0" encoding="utf-8"?>
 <p:sld xmlns:a="http://schemas.openxmlformats.org/drawingml/2006/main" xmlns:r="http://schemas.openxmlformats.org/officeDocument/2006/relationships" xmlns:p="http://schemas.openxmlformats.org/presentationml/2006/main">
   <p:cSld>
     <p:spTree>
@@ -28627,7 +28092,7 @@
 </p:sld>
 </file>
 
-<file path=ppt/slides/slide44.xml><?xml version="1.0" encoding="utf-8"?>
+<file path=ppt/slides/slide43.xml><?xml version="1.0" encoding="utf-8"?>
 <p:sld xmlns:a="http://schemas.openxmlformats.org/drawingml/2006/main" xmlns:r="http://schemas.openxmlformats.org/officeDocument/2006/relationships" xmlns:p="http://schemas.openxmlformats.org/presentationml/2006/main">
   <p:cSld>
     <p:spTree>
@@ -28788,7 +28253,7 @@
 </p:sld>
 </file>
 
-<file path=ppt/slides/slide45.xml><?xml version="1.0" encoding="utf-8"?>
+<file path=ppt/slides/slide44.xml><?xml version="1.0" encoding="utf-8"?>
 <p:sld xmlns:a="http://schemas.openxmlformats.org/drawingml/2006/main" xmlns:r="http://schemas.openxmlformats.org/officeDocument/2006/relationships" xmlns:p="http://schemas.openxmlformats.org/presentationml/2006/main">
   <p:cSld>
     <p:spTree>
@@ -29102,7 +28567,7 @@
 </p:sld>
 </file>
 
-<file path=ppt/slides/slide46.xml><?xml version="1.0" encoding="utf-8"?>
+<file path=ppt/slides/slide45.xml><?xml version="1.0" encoding="utf-8"?>
 <p:sld xmlns:a="http://schemas.openxmlformats.org/drawingml/2006/main" xmlns:r="http://schemas.openxmlformats.org/officeDocument/2006/relationships" xmlns:p="http://schemas.openxmlformats.org/presentationml/2006/main">
   <p:cSld>
     <p:spTree>
@@ -29590,7 +29055,7 @@
 </p:sld>
 </file>
 
-<file path=ppt/slides/slide47.xml><?xml version="1.0" encoding="utf-8"?>
+<file path=ppt/slides/slide46.xml><?xml version="1.0" encoding="utf-8"?>
 <p:sld xmlns:a="http://schemas.openxmlformats.org/drawingml/2006/main" xmlns:r="http://schemas.openxmlformats.org/officeDocument/2006/relationships" xmlns:p="http://schemas.openxmlformats.org/presentationml/2006/main">
   <p:cSld>
     <p:spTree>
@@ -30329,7 +29794,7 @@
 </p:sld>
 </file>
 
-<file path=ppt/slides/slide48.xml><?xml version="1.0" encoding="utf-8"?>
+<file path=ppt/slides/slide47.xml><?xml version="1.0" encoding="utf-8"?>
 <p:sld xmlns:a="http://schemas.openxmlformats.org/drawingml/2006/main" xmlns:r="http://schemas.openxmlformats.org/officeDocument/2006/relationships" xmlns:p="http://schemas.openxmlformats.org/presentationml/2006/main">
   <p:cSld>
     <p:spTree>
@@ -31131,7 +30596,7 @@
 </p:sld>
 </file>
 
-<file path=ppt/slides/slide49.xml><?xml version="1.0" encoding="utf-8"?>
+<file path=ppt/slides/slide48.xml><?xml version="1.0" encoding="utf-8"?>
 <p:sld xmlns:a="http://schemas.openxmlformats.org/drawingml/2006/main" xmlns:r="http://schemas.openxmlformats.org/officeDocument/2006/relationships" xmlns:p="http://schemas.openxmlformats.org/presentationml/2006/main">
   <p:cSld>
     <p:spTree>
@@ -31963,6 +31428,167 @@
               <a:cs typeface="Arial"/>
               <a:sym typeface="Arial"/>
             </a:endParaRPr>
+          </a:p>
+        </p:txBody>
+      </p:sp>
+    </p:spTree>
+  </p:cSld>
+  <p:clrMapOvr>
+    <a:masterClrMapping/>
+  </p:clrMapOvr>
+</p:sld>
+</file>
+
+<file path=ppt/slides/slide49.xml><?xml version="1.0" encoding="utf-8"?>
+<p:sld xmlns:a="http://schemas.openxmlformats.org/drawingml/2006/main" xmlns:r="http://schemas.openxmlformats.org/officeDocument/2006/relationships" xmlns:p="http://schemas.openxmlformats.org/presentationml/2006/main">
+  <p:cSld>
+    <p:spTree>
+      <p:nvGrpSpPr>
+        <p:cNvPr id="1" name="Shape 363"/>
+        <p:cNvGrpSpPr/>
+        <p:nvPr/>
+      </p:nvGrpSpPr>
+      <p:grpSpPr>
+        <a:xfrm>
+          <a:off x="0" y="0"/>
+          <a:ext cx="0" cy="0"/>
+          <a:chOff x="0" y="0"/>
+          <a:chExt cx="0" cy="0"/>
+        </a:xfrm>
+      </p:grpSpPr>
+      <p:sp>
+        <p:nvSpPr>
+          <p:cNvPr id="364" name="Google Shape;364;p63"/>
+          <p:cNvSpPr txBox="1">
+            <a:spLocks noGrp="1"/>
+          </p:cNvSpPr>
+          <p:nvPr>
+            <p:ph type="title"/>
+          </p:nvPr>
+        </p:nvSpPr>
+        <p:spPr>
+          <a:xfrm>
+            <a:off x="265500" y="1382350"/>
+            <a:ext cx="4045200" cy="1333200"/>
+          </a:xfrm>
+          <a:prstGeom prst="rect">
+            <a:avLst/>
+          </a:prstGeom>
+        </p:spPr>
+        <p:txBody>
+          <a:bodyPr spcFirstLastPara="1" wrap="square" lIns="91425" tIns="91425" rIns="91425" bIns="91425" anchor="b" anchorCtr="0">
+            <a:noAutofit/>
+          </a:bodyPr>
+          <a:lstStyle/>
+          <a:p>
+            <a:pPr marL="0" lvl="0" indent="0" algn="l" rtl="0">
+              <a:spcBef>
+                <a:spcPts val="0"/>
+              </a:spcBef>
+              <a:spcAft>
+                <a:spcPts val="0"/>
+              </a:spcAft>
+              <a:buNone/>
+            </a:pPr>
+            <a:r>
+              <a:rPr lang="en"/>
+              <a:t>Misc. Topics</a:t>
+            </a:r>
+            <a:endParaRPr/>
+          </a:p>
+        </p:txBody>
+      </p:sp>
+      <p:sp>
+        <p:nvSpPr>
+          <p:cNvPr id="365" name="Google Shape;365;p63"/>
+          <p:cNvSpPr txBox="1">
+            <a:spLocks noGrp="1"/>
+          </p:cNvSpPr>
+          <p:nvPr>
+            <p:ph type="body" idx="2"/>
+          </p:nvPr>
+        </p:nvSpPr>
+        <p:spPr>
+          <a:xfrm>
+            <a:off x="4939500" y="-139375"/>
+            <a:ext cx="3837000" cy="5110500"/>
+          </a:xfrm>
+          <a:prstGeom prst="rect">
+            <a:avLst/>
+          </a:prstGeom>
+        </p:spPr>
+        <p:txBody>
+          <a:bodyPr spcFirstLastPara="1" wrap="square" lIns="91425" tIns="91425" rIns="91425" bIns="91425" anchor="ctr" anchorCtr="0">
+            <a:noAutofit/>
+          </a:bodyPr>
+          <a:lstStyle/>
+          <a:p>
+            <a:pPr marL="457200" lvl="0" indent="-311150" algn="l" rtl="0">
+              <a:spcBef>
+                <a:spcPts val="0"/>
+              </a:spcBef>
+              <a:spcAft>
+                <a:spcPts val="0"/>
+              </a:spcAft>
+              <a:buSzPts val="1300"/>
+              <a:buChar char="●"/>
+            </a:pPr>
+            <a:r>
+              <a:rPr lang="en" sz="1300"/>
+              <a:t>Data sources</a:t>
+            </a:r>
+            <a:endParaRPr sz="1300"/>
+          </a:p>
+          <a:p>
+            <a:pPr marL="457200" lvl="0" indent="-311150" algn="l" rtl="0">
+              <a:spcBef>
+                <a:spcPts val="1600"/>
+              </a:spcBef>
+              <a:spcAft>
+                <a:spcPts val="0"/>
+              </a:spcAft>
+              <a:buSzPts val="1300"/>
+              <a:buChar char="●"/>
+            </a:pPr>
+            <a:r>
+              <a:rPr lang="en" sz="1300"/>
+              <a:t>Locals</a:t>
+            </a:r>
+            <a:endParaRPr sz="1300"/>
+          </a:p>
+          <a:p>
+            <a:pPr marL="457200" lvl="0" indent="-311150" algn="l" rtl="0">
+              <a:spcBef>
+                <a:spcPts val="1600"/>
+              </a:spcBef>
+              <a:spcAft>
+                <a:spcPts val="0"/>
+              </a:spcAft>
+              <a:buSzPts val="1300"/>
+              <a:buChar char="●"/>
+            </a:pPr>
+            <a:r>
+              <a:rPr lang="en" sz="1300"/>
+              <a:t>Terraform taint/untaint</a:t>
+            </a:r>
+            <a:endParaRPr sz="1300"/>
+          </a:p>
+          <a:p>
+            <a:pPr marL="457200" lvl="0" indent="-311150" algn="l" rtl="0">
+              <a:spcBef>
+                <a:spcPts val="1600"/>
+              </a:spcBef>
+              <a:spcAft>
+                <a:spcPts val="1600"/>
+              </a:spcAft>
+              <a:buSzPts val="1300"/>
+              <a:buChar char="●"/>
+            </a:pPr>
+            <a:r>
+              <a:rPr lang="en" sz="1300"/>
+              <a:t>Terraform fmt, validate</a:t>
+            </a:r>
+            <a:endParaRPr sz="1300"/>
           </a:p>
         </p:txBody>
       </p:sp>
@@ -32261,167 +31887,6 @@
   <p:cSld>
     <p:spTree>
       <p:nvGrpSpPr>
-        <p:cNvPr id="1" name="Shape 363"/>
-        <p:cNvGrpSpPr/>
-        <p:nvPr/>
-      </p:nvGrpSpPr>
-      <p:grpSpPr>
-        <a:xfrm>
-          <a:off x="0" y="0"/>
-          <a:ext cx="0" cy="0"/>
-          <a:chOff x="0" y="0"/>
-          <a:chExt cx="0" cy="0"/>
-        </a:xfrm>
-      </p:grpSpPr>
-      <p:sp>
-        <p:nvSpPr>
-          <p:cNvPr id="364" name="Google Shape;364;p63"/>
-          <p:cNvSpPr txBox="1">
-            <a:spLocks noGrp="1"/>
-          </p:cNvSpPr>
-          <p:nvPr>
-            <p:ph type="title"/>
-          </p:nvPr>
-        </p:nvSpPr>
-        <p:spPr>
-          <a:xfrm>
-            <a:off x="265500" y="1382350"/>
-            <a:ext cx="4045200" cy="1333200"/>
-          </a:xfrm>
-          <a:prstGeom prst="rect">
-            <a:avLst/>
-          </a:prstGeom>
-        </p:spPr>
-        <p:txBody>
-          <a:bodyPr spcFirstLastPara="1" wrap="square" lIns="91425" tIns="91425" rIns="91425" bIns="91425" anchor="b" anchorCtr="0">
-            <a:noAutofit/>
-          </a:bodyPr>
-          <a:lstStyle/>
-          <a:p>
-            <a:pPr marL="0" lvl="0" indent="0" algn="l" rtl="0">
-              <a:spcBef>
-                <a:spcPts val="0"/>
-              </a:spcBef>
-              <a:spcAft>
-                <a:spcPts val="0"/>
-              </a:spcAft>
-              <a:buNone/>
-            </a:pPr>
-            <a:r>
-              <a:rPr lang="en"/>
-              <a:t>Misc. Topics</a:t>
-            </a:r>
-            <a:endParaRPr/>
-          </a:p>
-        </p:txBody>
-      </p:sp>
-      <p:sp>
-        <p:nvSpPr>
-          <p:cNvPr id="365" name="Google Shape;365;p63"/>
-          <p:cNvSpPr txBox="1">
-            <a:spLocks noGrp="1"/>
-          </p:cNvSpPr>
-          <p:nvPr>
-            <p:ph type="body" idx="2"/>
-          </p:nvPr>
-        </p:nvSpPr>
-        <p:spPr>
-          <a:xfrm>
-            <a:off x="4939500" y="-139375"/>
-            <a:ext cx="3837000" cy="5110500"/>
-          </a:xfrm>
-          <a:prstGeom prst="rect">
-            <a:avLst/>
-          </a:prstGeom>
-        </p:spPr>
-        <p:txBody>
-          <a:bodyPr spcFirstLastPara="1" wrap="square" lIns="91425" tIns="91425" rIns="91425" bIns="91425" anchor="ctr" anchorCtr="0">
-            <a:noAutofit/>
-          </a:bodyPr>
-          <a:lstStyle/>
-          <a:p>
-            <a:pPr marL="457200" lvl="0" indent="-311150" algn="l" rtl="0">
-              <a:spcBef>
-                <a:spcPts val="0"/>
-              </a:spcBef>
-              <a:spcAft>
-                <a:spcPts val="0"/>
-              </a:spcAft>
-              <a:buSzPts val="1300"/>
-              <a:buChar char="●"/>
-            </a:pPr>
-            <a:r>
-              <a:rPr lang="en" sz="1300"/>
-              <a:t>Data sources</a:t>
-            </a:r>
-            <a:endParaRPr sz="1300"/>
-          </a:p>
-          <a:p>
-            <a:pPr marL="457200" lvl="0" indent="-311150" algn="l" rtl="0">
-              <a:spcBef>
-                <a:spcPts val="1600"/>
-              </a:spcBef>
-              <a:spcAft>
-                <a:spcPts val="0"/>
-              </a:spcAft>
-              <a:buSzPts val="1300"/>
-              <a:buChar char="●"/>
-            </a:pPr>
-            <a:r>
-              <a:rPr lang="en" sz="1300"/>
-              <a:t>Locals</a:t>
-            </a:r>
-            <a:endParaRPr sz="1300"/>
-          </a:p>
-          <a:p>
-            <a:pPr marL="457200" lvl="0" indent="-311150" algn="l" rtl="0">
-              <a:spcBef>
-                <a:spcPts val="1600"/>
-              </a:spcBef>
-              <a:spcAft>
-                <a:spcPts val="0"/>
-              </a:spcAft>
-              <a:buSzPts val="1300"/>
-              <a:buChar char="●"/>
-            </a:pPr>
-            <a:r>
-              <a:rPr lang="en" sz="1300"/>
-              <a:t>Terraform taint/untaint</a:t>
-            </a:r>
-            <a:endParaRPr sz="1300"/>
-          </a:p>
-          <a:p>
-            <a:pPr marL="457200" lvl="0" indent="-311150" algn="l" rtl="0">
-              <a:spcBef>
-                <a:spcPts val="1600"/>
-              </a:spcBef>
-              <a:spcAft>
-                <a:spcPts val="1600"/>
-              </a:spcAft>
-              <a:buSzPts val="1300"/>
-              <a:buChar char="●"/>
-            </a:pPr>
-            <a:r>
-              <a:rPr lang="en" sz="1300"/>
-              <a:t>Terraform fmt, validate</a:t>
-            </a:r>
-            <a:endParaRPr sz="1300"/>
-          </a:p>
-        </p:txBody>
-      </p:sp>
-    </p:spTree>
-  </p:cSld>
-  <p:clrMapOvr>
-    <a:masterClrMapping/>
-  </p:clrMapOvr>
-</p:sld>
-</file>
-
-<file path=ppt/slides/slide51.xml><?xml version="1.0" encoding="utf-8"?>
-<p:sld xmlns:a="http://schemas.openxmlformats.org/drawingml/2006/main" xmlns:r="http://schemas.openxmlformats.org/officeDocument/2006/relationships" xmlns:p="http://schemas.openxmlformats.org/presentationml/2006/main">
-  <p:cSld>
-    <p:spTree>
-      <p:nvGrpSpPr>
         <p:cNvPr id="1" name="Shape 369"/>
         <p:cNvGrpSpPr/>
         <p:nvPr/>
@@ -33021,7 +32486,7 @@
 </p:sld>
 </file>
 
-<file path=ppt/slides/slide52.xml><?xml version="1.0" encoding="utf-8"?>
+<file path=ppt/slides/slide51.xml><?xml version="1.0" encoding="utf-8"?>
 <p:sld xmlns:a="http://schemas.openxmlformats.org/drawingml/2006/main" xmlns:r="http://schemas.openxmlformats.org/officeDocument/2006/relationships" xmlns:p="http://schemas.openxmlformats.org/presentationml/2006/main">
   <p:cSld>
     <p:spTree>
@@ -33648,7 +33113,7 @@
 </p:sld>
 </file>
 
-<file path=ppt/slides/slide53.xml><?xml version="1.0" encoding="utf-8"?>
+<file path=ppt/slides/slide52.xml><?xml version="1.0" encoding="utf-8"?>
 <p:sld xmlns:a="http://schemas.openxmlformats.org/drawingml/2006/main" xmlns:r="http://schemas.openxmlformats.org/officeDocument/2006/relationships" xmlns:p="http://schemas.openxmlformats.org/presentationml/2006/main">
   <p:cSld>
     <p:spTree>
@@ -34051,7 +33516,7 @@
 </p:sld>
 </file>
 
-<file path=ppt/slides/slide54.xml><?xml version="1.0" encoding="utf-8"?>
+<file path=ppt/slides/slide53.xml><?xml version="1.0" encoding="utf-8"?>
 <p:sld xmlns:a="http://schemas.openxmlformats.org/drawingml/2006/main" xmlns:r="http://schemas.openxmlformats.org/officeDocument/2006/relationships" xmlns:p="http://schemas.openxmlformats.org/presentationml/2006/main">
   <p:cSld>
     <p:spTree>
